--- a/云架构实战/第一单元 远程管理/ppt/03.私钥.pptx
+++ b/云架构实战/第一单元 远程管理/ppt/03.私钥.pptx
@@ -159,9 +159,9 @@
             <p14:sldId id="2147"/>
             <p14:sldId id="2148"/>
             <p14:sldId id="2153"/>
+            <p14:sldId id="2154"/>
             <p14:sldId id="2151"/>
             <p14:sldId id="515"/>
-            <p14:sldId id="2154"/>
           </p14:sldIdLst>
         </p14:section>
       </p14:sectionLst>
@@ -5071,20 +5071,25 @@
             <p:ph type="subTitle" idx="1"/>
           </p:nvPr>
         </p:nvSpPr>
-        <p:spPr/>
+        <p:spPr>
+          <a:xfrm>
+            <a:off x="686108" y="2274828"/>
+            <a:ext cx="7776864" cy="594066"/>
+          </a:xfrm>
+        </p:spPr>
         <p:txBody>
           <a:bodyPr/>
           <a:lstStyle/>
           <a:p>
             <a:r>
-              <a:rPr lang="zh-CN" altLang="en-US" sz="2000" dirty="0" smtClean="0">
+              <a:rPr lang="zh-CN" altLang="en-US" sz="2000" dirty="0">
                 <a:solidFill>
                   <a:schemeClr val="tx1"/>
                 </a:solidFill>
                 <a:cs typeface="+mj-cs"/>
                 <a:sym typeface="Browallia New" panose="020B0604020202020204" charset="0"/>
               </a:rPr>
-              <a:t>刘晓军</a:t>
+              <a:t>万家吉</a:t>
             </a:r>
             <a:endParaRPr lang="zh-CN" altLang="en-US" sz="2000" dirty="0">
               <a:solidFill>
